--- a/WEEK 3/Week 3 - PRESENTATION SLIDES.pptx
+++ b/WEEK 3/Week 3 - PRESENTATION SLIDES.pptx
@@ -126,8 +126,8 @@
 <file path=ppt/revisionInfo.xml><?xml version="1.0" encoding="utf-8"?>
 <p1510:revInfo xmlns:a="http://schemas.openxmlformats.org/drawingml/2006/main" xmlns:r="http://schemas.openxmlformats.org/officeDocument/2006/relationships" xmlns:p1510="http://schemas.microsoft.com/office/powerpoint/2015/10/main">
   <p1510:revLst>
-    <p1510:client id="{A3EEC453-7BBC-CCC5-728E-12BF8D8AADD9}" v="31" dt="2025-02-01T23:13:07.245"/>
-    <p1510:client id="{AA587200-434C-853F-3AD2-FF5136504F29}" v="1244" dt="2025-02-03T05:17:50.316"/>
+    <p1510:client id="{42B94EEC-8F92-140F-934F-29D38EF26577}" v="3" dt="2025-02-12T00:07:09.677"/>
+    <p1510:client id="{69C1F966-37FB-591A-4481-CB0641FA9409}" v="4" dt="2025-02-10T20:26:18.635"/>
   </p1510:revLst>
 </p1510:revInfo>
 </file>
@@ -213,7 +213,7 @@
           </a:lstStyle>
           <a:p>
             <a:fld id="{C7BB2709-0A3C-45BC-9A0A-BCFD90225026}" type="datetimeFigureOut">
-              <a:t>2/2/2025</a:t>
+              <a:t>2/11/2025</a:t>
             </a:fld>
             <a:endParaRPr lang="en-US"/>
           </a:p>
@@ -528,7 +528,142 @@
                 <a:ea typeface="Calibri"/>
                 <a:cs typeface="Calibri"/>
               </a:rPr>
-              <a:t>The data will be retrieved from the relational database 'MSDS610' we created in the previous week.</a:t>
+              <a:t>The data will be retrieved from the relational database 'MSDS610' we created in the previous week. </a:t>
+            </a:r>
+          </a:p>
+          <a:p>
+            <a:r>
+              <a:rPr lang="en-US" dirty="0">
+                <a:ea typeface="Calibri"/>
+                <a:cs typeface="Calibri"/>
+              </a:rPr>
+              <a:t>The data will be then checked for missing values, duplicates, and outliers. The categorical features will be encoded. </a:t>
+            </a:r>
+            <a:endParaRPr lang="en-US">
+              <a:ea typeface="Calibri"/>
+              <a:cs typeface="Calibri"/>
+            </a:endParaRPr>
+          </a:p>
+          <a:p>
+            <a:r>
+              <a:rPr lang="en-US" dirty="0">
+                <a:ea typeface="Calibri"/>
+                <a:cs typeface="Calibri"/>
+              </a:rPr>
+              <a:t>I will also add some new features into the dataset such as income to education ratio, work hour category etc. After the modifications, the new cleaned data will be added to the 'cleaned' schema.</a:t>
+            </a:r>
+          </a:p>
+          <a:p>
+            <a:r>
+              <a:rPr lang="en-US" dirty="0">
+                <a:ea typeface="Calibri"/>
+                <a:cs typeface="Calibri"/>
+              </a:rPr>
+              <a:t>The new data will also be saved in CSV format.</a:t>
+            </a:r>
+          </a:p>
+          <a:p>
+            <a:endParaRPr lang="en-US" dirty="0">
+              <a:ea typeface="Calibri"/>
+              <a:cs typeface="Calibri"/>
+            </a:endParaRPr>
+          </a:p>
+        </p:txBody>
+      </p:sp>
+      <p:sp>
+        <p:nvSpPr>
+          <p:cNvPr id="4" name="Slide Number Placeholder 3"/>
+          <p:cNvSpPr>
+            <a:spLocks noGrp="1"/>
+          </p:cNvSpPr>
+          <p:nvPr>
+            <p:ph type="sldNum" sz="quarter" idx="5"/>
+          </p:nvPr>
+        </p:nvSpPr>
+        <p:spPr/>
+        <p:txBody>
+          <a:bodyPr/>
+          <a:lstStyle/>
+          <a:p>
+            <a:fld id="{F7613503-0FD6-4754-B7D3-284AA5DAB19B}" type="slidenum">
+              <a:t>2</a:t>
+            </a:fld>
+            <a:endParaRPr lang="en-US"/>
+          </a:p>
+        </p:txBody>
+      </p:sp>
+    </p:spTree>
+    <p:extLst>
+      <p:ext uri="{BB962C8B-B14F-4D97-AF65-F5344CB8AC3E}">
+        <p14:creationId xmlns:p14="http://schemas.microsoft.com/office/powerpoint/2010/main" val="148478421"/>
+      </p:ext>
+    </p:extLst>
+  </p:cSld>
+  <p:clrMapOvr>
+    <a:masterClrMapping/>
+  </p:clrMapOvr>
+</p:notes>
+</file>
+
+<file path=ppt/notesSlides/notesSlide2.xml><?xml version="1.0" encoding="utf-8"?>
+<p:notes xmlns:a="http://schemas.openxmlformats.org/drawingml/2006/main" xmlns:r="http://schemas.openxmlformats.org/officeDocument/2006/relationships" xmlns:p="http://schemas.openxmlformats.org/presentationml/2006/main">
+  <p:cSld>
+    <p:spTree>
+      <p:nvGrpSpPr>
+        <p:cNvPr id="1" name=""/>
+        <p:cNvGrpSpPr/>
+        <p:nvPr/>
+      </p:nvGrpSpPr>
+      <p:grpSpPr>
+        <a:xfrm>
+          <a:off x="0" y="0"/>
+          <a:ext cx="0" cy="0"/>
+          <a:chOff x="0" y="0"/>
+          <a:chExt cx="0" cy="0"/>
+        </a:xfrm>
+      </p:grpSpPr>
+      <p:sp>
+        <p:nvSpPr>
+          <p:cNvPr id="2" name="Slide Image Placeholder 1"/>
+          <p:cNvSpPr>
+            <a:spLocks noGrp="1" noRot="1" noChangeAspect="1"/>
+          </p:cNvSpPr>
+          <p:nvPr>
+            <p:ph type="sldImg"/>
+          </p:nvPr>
+        </p:nvSpPr>
+        <p:spPr/>
+      </p:sp>
+      <p:sp>
+        <p:nvSpPr>
+          <p:cNvPr id="3" name="Notes Placeholder 2"/>
+          <p:cNvSpPr>
+            <a:spLocks noGrp="1"/>
+          </p:cNvSpPr>
+          <p:nvPr>
+            <p:ph type="body" idx="1"/>
+          </p:nvPr>
+        </p:nvSpPr>
+        <p:spPr/>
+        <p:txBody>
+          <a:bodyPr/>
+          <a:lstStyle/>
+          <a:p>
+            <a:r>
+              <a:rPr lang="en-US" dirty="0">
+                <a:ea typeface="Calibri"/>
+                <a:cs typeface="Calibri"/>
+              </a:rPr>
+              <a:t>There are several reasons why I chose batch pipeline for processing the dataset. </a:t>
+            </a:r>
+          </a:p>
+          <a:p>
+            <a:r>
+              <a:rPr lang="en-US" dirty="0">
+                <a:ea typeface="Calibri"/>
+                <a:cs typeface="Calibri"/>
+              </a:rPr>
+              <a:t>Firstly, the dataset that I have selected is a static dataset, which means that the dataset does not change frequently, making it easier to process using batch processing. </a:t>
             </a:r>
           </a:p>
           <a:p>
@@ -537,7 +672,7 @@
                 <a:ea typeface="Calibri"/>
                 <a:cs typeface="Calibri"/>
               </a:rPr>
-              <a:t>The data will be then checked for missing values, duplicates, and outliers. The categorical features will be encoded. </a:t>
+              <a:t>Another reason why I chose batch processing is because batch pipeline makes data transformation as well as cleaning much more efficient, which is highly necessary for making data quality better for analysis. </a:t>
             </a:r>
           </a:p>
           <a:p>
@@ -546,7 +681,7 @@
                 <a:ea typeface="Calibri"/>
                 <a:cs typeface="Calibri"/>
               </a:rPr>
-              <a:t>I will also add some new features into the dataset such as income to education ratio, work hour category etc.</a:t>
+              <a:t>As the dataset doesn't require analysis and processing, there is no requirement for a streaming pipeline which is often more complex than batch pipeline.</a:t>
             </a:r>
           </a:p>
           <a:p>
@@ -555,15 +690,483 @@
                 <a:ea typeface="Calibri"/>
                 <a:cs typeface="Calibri"/>
               </a:rPr>
-              <a:t>After the modifications, the new cleaned data will be added to the 'cleaned' schema.</a:t>
-            </a:r>
-          </a:p>
-          <a:p>
+              <a:t>The machine learning model is generally trained with a complete dataset in a single go, rather than real-time data, which is collected in near real time. This makes batch processing much more compatible for training a model with it. </a:t>
+            </a:r>
+          </a:p>
+        </p:txBody>
+      </p:sp>
+      <p:sp>
+        <p:nvSpPr>
+          <p:cNvPr id="4" name="Slide Number Placeholder 3"/>
+          <p:cNvSpPr>
+            <a:spLocks noGrp="1"/>
+          </p:cNvSpPr>
+          <p:nvPr>
+            <p:ph type="sldNum" sz="quarter" idx="5"/>
+          </p:nvPr>
+        </p:nvSpPr>
+        <p:spPr/>
+        <p:txBody>
+          <a:bodyPr/>
+          <a:lstStyle/>
+          <a:p>
+            <a:fld id="{F7613503-0FD6-4754-B7D3-284AA5DAB19B}" type="slidenum">
+              <a:rPr lang="en-US"/>
+              <a:t>3</a:t>
+            </a:fld>
+            <a:endParaRPr lang="en-US"/>
+          </a:p>
+        </p:txBody>
+      </p:sp>
+    </p:spTree>
+    <p:extLst>
+      <p:ext uri="{BB962C8B-B14F-4D97-AF65-F5344CB8AC3E}">
+        <p14:creationId xmlns:p14="http://schemas.microsoft.com/office/powerpoint/2010/main" val="2074974229"/>
+      </p:ext>
+    </p:extLst>
+  </p:cSld>
+  <p:clrMapOvr>
+    <a:masterClrMapping/>
+  </p:clrMapOvr>
+</p:notes>
+</file>
+
+<file path=ppt/notesSlides/notesSlide3.xml><?xml version="1.0" encoding="utf-8"?>
+<p:notes xmlns:a="http://schemas.openxmlformats.org/drawingml/2006/main" xmlns:r="http://schemas.openxmlformats.org/officeDocument/2006/relationships" xmlns:p="http://schemas.openxmlformats.org/presentationml/2006/main">
+  <p:cSld>
+    <p:spTree>
+      <p:nvGrpSpPr>
+        <p:cNvPr id="1" name=""/>
+        <p:cNvGrpSpPr/>
+        <p:nvPr/>
+      </p:nvGrpSpPr>
+      <p:grpSpPr>
+        <a:xfrm>
+          <a:off x="0" y="0"/>
+          <a:ext cx="0" cy="0"/>
+          <a:chOff x="0" y="0"/>
+          <a:chExt cx="0" cy="0"/>
+        </a:xfrm>
+      </p:grpSpPr>
+      <p:sp>
+        <p:nvSpPr>
+          <p:cNvPr id="2" name="Slide Image Placeholder 1"/>
+          <p:cNvSpPr>
+            <a:spLocks noGrp="1" noRot="1" noChangeAspect="1"/>
+          </p:cNvSpPr>
+          <p:nvPr>
+            <p:ph type="sldImg"/>
+          </p:nvPr>
+        </p:nvSpPr>
+        <p:spPr/>
+      </p:sp>
+      <p:sp>
+        <p:nvSpPr>
+          <p:cNvPr id="3" name="Notes Placeholder 2"/>
+          <p:cNvSpPr>
+            <a:spLocks noGrp="1"/>
+          </p:cNvSpPr>
+          <p:nvPr>
+            <p:ph type="body" idx="1"/>
+          </p:nvPr>
+        </p:nvSpPr>
+        <p:spPr/>
+        <p:txBody>
+          <a:bodyPr/>
+          <a:lstStyle/>
+          <a:p>
+            <a:r>
+              <a:rPr lang="en-US" dirty="0">
+                <a:ea typeface="Calibri"/>
+                <a:cs typeface="Calibri"/>
+              </a:rPr>
+              <a:t>I chose CSV as the file format for the dataset I will be working on as CSV is human readable as it is simple text, this makes it fairly easy to interpret and modify without using special languages or tools. </a:t>
+            </a:r>
+          </a:p>
+          <a:p>
+            <a:r>
+              <a:rPr lang="en-US" dirty="0">
+                <a:ea typeface="Calibri"/>
+                <a:cs typeface="Calibri"/>
+              </a:rPr>
+              <a:t>CSV files are editable universally and can be manipulated easily. CSV usually works best with small to medium-sized databases. As, the dataset that I chose is medium-sized, CSV format works best with it. It does not need more complex format such as databases or JSON. </a:t>
+            </a:r>
+          </a:p>
+          <a:p>
+            <a:r>
+              <a:rPr lang="en-US" dirty="0">
+                <a:ea typeface="Calibri"/>
+                <a:cs typeface="Calibri"/>
+              </a:rPr>
+              <a:t>CSV is easy to edit and process using Python. Analysis of a CSV format dataset is relatively easier in Python for seamless data handling, visualization</a:t>
+            </a:r>
+            <a:r>
+              <a:rPr lang="en-US">
+                <a:ea typeface="Calibri"/>
+                <a:cs typeface="Calibri"/>
+              </a:rPr>
+              <a:t> and even post-processing analysis. </a:t>
+            </a:r>
+          </a:p>
+        </p:txBody>
+      </p:sp>
+      <p:sp>
+        <p:nvSpPr>
+          <p:cNvPr id="4" name="Slide Number Placeholder 3"/>
+          <p:cNvSpPr>
+            <a:spLocks noGrp="1"/>
+          </p:cNvSpPr>
+          <p:nvPr>
+            <p:ph type="sldNum" sz="quarter" idx="5"/>
+          </p:nvPr>
+        </p:nvSpPr>
+        <p:spPr/>
+        <p:txBody>
+          <a:bodyPr/>
+          <a:lstStyle/>
+          <a:p>
+            <a:fld id="{F7613503-0FD6-4754-B7D3-284AA5DAB19B}" type="slidenum">
+              <a:rPr lang="en-US"/>
+              <a:t>4</a:t>
+            </a:fld>
+            <a:endParaRPr lang="en-US"/>
+          </a:p>
+        </p:txBody>
+      </p:sp>
+    </p:spTree>
+    <p:extLst>
+      <p:ext uri="{BB962C8B-B14F-4D97-AF65-F5344CB8AC3E}">
+        <p14:creationId xmlns:p14="http://schemas.microsoft.com/office/powerpoint/2010/main" val="917625083"/>
+      </p:ext>
+    </p:extLst>
+  </p:cSld>
+  <p:clrMapOvr>
+    <a:masterClrMapping/>
+  </p:clrMapOvr>
+</p:notes>
+</file>
+
+<file path=ppt/notesSlides/notesSlide4.xml><?xml version="1.0" encoding="utf-8"?>
+<p:notes xmlns:a="http://schemas.openxmlformats.org/drawingml/2006/main" xmlns:r="http://schemas.openxmlformats.org/officeDocument/2006/relationships" xmlns:p="http://schemas.openxmlformats.org/presentationml/2006/main">
+  <p:cSld>
+    <p:spTree>
+      <p:nvGrpSpPr>
+        <p:cNvPr id="1" name=""/>
+        <p:cNvGrpSpPr/>
+        <p:nvPr/>
+      </p:nvGrpSpPr>
+      <p:grpSpPr>
+        <a:xfrm>
+          <a:off x="0" y="0"/>
+          <a:ext cx="0" cy="0"/>
+          <a:chOff x="0" y="0"/>
+          <a:chExt cx="0" cy="0"/>
+        </a:xfrm>
+      </p:grpSpPr>
+      <p:sp>
+        <p:nvSpPr>
+          <p:cNvPr id="2" name="Slide Image Placeholder 1"/>
+          <p:cNvSpPr>
+            <a:spLocks noGrp="1" noRot="1" noChangeAspect="1"/>
+          </p:cNvSpPr>
+          <p:nvPr>
+            <p:ph type="sldImg"/>
+          </p:nvPr>
+        </p:nvSpPr>
+        <p:spPr/>
+      </p:sp>
+      <p:sp>
+        <p:nvSpPr>
+          <p:cNvPr id="3" name="Notes Placeholder 2"/>
+          <p:cNvSpPr>
+            <a:spLocks noGrp="1"/>
+          </p:cNvSpPr>
+          <p:nvPr>
+            <p:ph type="body" idx="1"/>
+          </p:nvPr>
+        </p:nvSpPr>
+        <p:spPr/>
+        <p:txBody>
+          <a:bodyPr/>
+          <a:lstStyle/>
+          <a:p>
+            <a:r>
+              <a:rPr lang="en-US" dirty="0">
+                <a:ea typeface="Calibri"/>
+                <a:cs typeface="Calibri"/>
+              </a:rPr>
+              <a:t>There are several quality issues present in the dataset I have chosen. It has missing values, duplicate values as well as categorical variables. </a:t>
+            </a:r>
+            <a:endParaRPr lang="en-US">
+              <a:ea typeface="Calibri"/>
+              <a:cs typeface="Calibri"/>
+            </a:endParaRPr>
+          </a:p>
+          <a:p>
+            <a:r>
+              <a:rPr lang="en-US" dirty="0">
+                <a:ea typeface="Calibri"/>
+                <a:cs typeface="Calibri"/>
+              </a:rPr>
+              <a:t>These issues make the sample size inflated, impacts down streaming process. This results in the trained model become ineffective, and hampers that decision making ability of the model. It can lead to bias results.</a:t>
+            </a:r>
+          </a:p>
+          <a:p>
+            <a:r>
+              <a:rPr lang="en-US" dirty="0">
+                <a:ea typeface="Calibri"/>
+                <a:cs typeface="Calibri"/>
+              </a:rPr>
+              <a:t>To mitigate the missing or null values, I'll find the total number of missing values in each column of the dataset, then use imputation techniques for suitable null values, or remove them if the are of lesser importance. All the duplicate rows will be dropped to remove redundancy. And finally, I will change all the categorical features into numerical features using one-hot encoding.</a:t>
+            </a:r>
+          </a:p>
+          <a:p>
+            <a:r>
+              <a:rPr lang="en-US" dirty="0">
+                <a:ea typeface="Calibri"/>
+                <a:cs typeface="Calibri"/>
+              </a:rPr>
+              <a:t>Removing these issues will make the model to be efficient and accurate.</a:t>
+            </a:r>
+          </a:p>
+        </p:txBody>
+      </p:sp>
+      <p:sp>
+        <p:nvSpPr>
+          <p:cNvPr id="4" name="Slide Number Placeholder 3"/>
+          <p:cNvSpPr>
+            <a:spLocks noGrp="1"/>
+          </p:cNvSpPr>
+          <p:nvPr>
+            <p:ph type="sldNum" sz="quarter" idx="5"/>
+          </p:nvPr>
+        </p:nvSpPr>
+        <p:spPr/>
+        <p:txBody>
+          <a:bodyPr/>
+          <a:lstStyle/>
+          <a:p>
+            <a:fld id="{F7613503-0FD6-4754-B7D3-284AA5DAB19B}" type="slidenum">
+              <a:rPr lang="en-US"/>
+              <a:t>5</a:t>
+            </a:fld>
+            <a:endParaRPr lang="en-US"/>
+          </a:p>
+        </p:txBody>
+      </p:sp>
+    </p:spTree>
+    <p:extLst>
+      <p:ext uri="{BB962C8B-B14F-4D97-AF65-F5344CB8AC3E}">
+        <p14:creationId xmlns:p14="http://schemas.microsoft.com/office/powerpoint/2010/main" val="4208669819"/>
+      </p:ext>
+    </p:extLst>
+  </p:cSld>
+  <p:clrMapOvr>
+    <a:masterClrMapping/>
+  </p:clrMapOvr>
+</p:notes>
+</file>
+
+<file path=ppt/notesSlides/notesSlide5.xml><?xml version="1.0" encoding="utf-8"?>
+<p:notes xmlns:a="http://schemas.openxmlformats.org/drawingml/2006/main" xmlns:r="http://schemas.openxmlformats.org/officeDocument/2006/relationships" xmlns:p="http://schemas.openxmlformats.org/presentationml/2006/main">
+  <p:cSld>
+    <p:spTree>
+      <p:nvGrpSpPr>
+        <p:cNvPr id="1" name=""/>
+        <p:cNvGrpSpPr/>
+        <p:nvPr/>
+      </p:nvGrpSpPr>
+      <p:grpSpPr>
+        <a:xfrm>
+          <a:off x="0" y="0"/>
+          <a:ext cx="0" cy="0"/>
+          <a:chOff x="0" y="0"/>
+          <a:chExt cx="0" cy="0"/>
+        </a:xfrm>
+      </p:grpSpPr>
+      <p:sp>
+        <p:nvSpPr>
+          <p:cNvPr id="2" name="Slide Image Placeholder 1"/>
+          <p:cNvSpPr>
+            <a:spLocks noGrp="1" noRot="1" noChangeAspect="1"/>
+          </p:cNvSpPr>
+          <p:nvPr>
+            <p:ph type="sldImg"/>
+          </p:nvPr>
+        </p:nvSpPr>
+        <p:spPr/>
+      </p:sp>
+      <p:sp>
+        <p:nvSpPr>
+          <p:cNvPr id="3" name="Notes Placeholder 2"/>
+          <p:cNvSpPr>
+            <a:spLocks noGrp="1"/>
+          </p:cNvSpPr>
+          <p:nvPr>
+            <p:ph type="body" idx="1"/>
+          </p:nvPr>
+        </p:nvSpPr>
+        <p:spPr/>
+        <p:txBody>
+          <a:bodyPr/>
+          <a:lstStyle/>
+          <a:p>
+            <a:r>
+              <a:rPr lang="en-US" dirty="0">
+                <a:ea typeface="Calibri"/>
+                <a:cs typeface="Calibri"/>
+              </a:rPr>
+              <a:t>Data Drift refers to the change in the structure and statistical characteristics to change the of a data over time. This makes model perform poorly overtime. Data drift is inevitable, however it is manageable. </a:t>
+            </a:r>
+          </a:p>
+          <a:p>
+            <a:r>
+              <a:rPr lang="en-US" dirty="0">
+                <a:ea typeface="Calibri"/>
+                <a:cs typeface="Calibri"/>
+              </a:rPr>
+              <a:t>To tackle data drift in the dataset I have chosen, there are some techniques that I have chosen to use.</a:t>
+            </a:r>
+          </a:p>
+          <a:p>
+            <a:r>
+              <a:rPr lang="en-US" dirty="0">
+                <a:ea typeface="Calibri"/>
+                <a:cs typeface="Calibri"/>
+              </a:rPr>
+              <a:t>First, I am going to keep the reference of the initial distribution of the important numerical features. This is come in handy for comparison when I use a new dataset to train the data. I will also keep track of the mean, median, mode and variance of the dataset. Every thing be used as a baseline for </a:t>
+            </a:r>
+            <a:r>
+              <a:rPr lang="en-US" dirty="0" err="1">
+                <a:ea typeface="Calibri"/>
+                <a:cs typeface="Calibri"/>
+              </a:rPr>
+              <a:t>comaprison</a:t>
+            </a:r>
+            <a:r>
+              <a:rPr lang="en-US" dirty="0">
+                <a:ea typeface="Calibri"/>
+                <a:cs typeface="Calibri"/>
+              </a:rPr>
+              <a:t>. So, if the distribution for the new dataset is overtly different from the dataset I chose, I can make changes in the ne dataset maybe retrain the model. </a:t>
+            </a:r>
+          </a:p>
+        </p:txBody>
+      </p:sp>
+      <p:sp>
+        <p:nvSpPr>
+          <p:cNvPr id="4" name="Slide Number Placeholder 3"/>
+          <p:cNvSpPr>
+            <a:spLocks noGrp="1"/>
+          </p:cNvSpPr>
+          <p:nvPr>
+            <p:ph type="sldNum" sz="quarter" idx="5"/>
+          </p:nvPr>
+        </p:nvSpPr>
+        <p:spPr/>
+        <p:txBody>
+          <a:bodyPr/>
+          <a:lstStyle/>
+          <a:p>
+            <a:fld id="{F7613503-0FD6-4754-B7D3-284AA5DAB19B}" type="slidenum">
+              <a:rPr lang="en-US"/>
+              <a:t>6</a:t>
+            </a:fld>
+            <a:endParaRPr lang="en-US"/>
+          </a:p>
+        </p:txBody>
+      </p:sp>
+    </p:spTree>
+    <p:extLst>
+      <p:ext uri="{BB962C8B-B14F-4D97-AF65-F5344CB8AC3E}">
+        <p14:creationId xmlns:p14="http://schemas.microsoft.com/office/powerpoint/2010/main" val="656801941"/>
+      </p:ext>
+    </p:extLst>
+  </p:cSld>
+  <p:clrMapOvr>
+    <a:masterClrMapping/>
+  </p:clrMapOvr>
+</p:notes>
+</file>
+
+<file path=ppt/notesSlides/notesSlide6.xml><?xml version="1.0" encoding="utf-8"?>
+<p:notes xmlns:a="http://schemas.openxmlformats.org/drawingml/2006/main" xmlns:r="http://schemas.openxmlformats.org/officeDocument/2006/relationships" xmlns:p="http://schemas.openxmlformats.org/presentationml/2006/main">
+  <p:cSld>
+    <p:spTree>
+      <p:nvGrpSpPr>
+        <p:cNvPr id="1" name=""/>
+        <p:cNvGrpSpPr/>
+        <p:nvPr/>
+      </p:nvGrpSpPr>
+      <p:grpSpPr>
+        <a:xfrm>
+          <a:off x="0" y="0"/>
+          <a:ext cx="0" cy="0"/>
+          <a:chOff x="0" y="0"/>
+          <a:chExt cx="0" cy="0"/>
+        </a:xfrm>
+      </p:grpSpPr>
+      <p:sp>
+        <p:nvSpPr>
+          <p:cNvPr id="2" name="Slide Image Placeholder 1"/>
+          <p:cNvSpPr>
+            <a:spLocks noGrp="1" noRot="1" noChangeAspect="1"/>
+          </p:cNvSpPr>
+          <p:nvPr>
+            <p:ph type="sldImg"/>
+          </p:nvPr>
+        </p:nvSpPr>
+        <p:spPr/>
+      </p:sp>
+      <p:sp>
+        <p:nvSpPr>
+          <p:cNvPr id="3" name="Notes Placeholder 2"/>
+          <p:cNvSpPr>
+            <a:spLocks noGrp="1"/>
+          </p:cNvSpPr>
+          <p:nvPr>
+            <p:ph type="body" idx="1"/>
+          </p:nvPr>
+        </p:nvSpPr>
+        <p:spPr/>
+        <p:txBody>
+          <a:bodyPr/>
+          <a:lstStyle/>
+          <a:p>
+            <a:r>
+              <a:rPr lang="en-US" dirty="0">
+                <a:ea typeface="Calibri"/>
+                <a:cs typeface="Calibri"/>
+              </a:rPr>
+              <a:t>Schema change is another problem that can occur in the dataset I chose, schema change also known as schema drift occurs when the data system changes overtime.</a:t>
+            </a:r>
+            <a:r>
+              <a:rPr lang="en-US" dirty="0"/>
+              <a:t> This negatively affects the data quality of a dataset.</a:t>
+            </a:r>
             <a:endParaRPr lang="en-US" dirty="0">
               <a:ea typeface="Calibri"/>
               <a:cs typeface="Calibri"/>
             </a:endParaRPr>
           </a:p>
+          <a:p>
+            <a:r>
+              <a:rPr lang="en-US">
+                <a:ea typeface="Calibri"/>
+                <a:cs typeface="Calibri"/>
+              </a:rPr>
+              <a:t>To tackle schema change I can check if there are any mismatches while adding new data, and log them if present. I can also make some predefined schema as the template for the new datasets to prevent any new type of feature or datatype to get trained. I am also going to discard the unexpected data, which has no usefulness in training the model. </a:t>
+            </a:r>
+          </a:p>
+          <a:p>
+            <a:r>
+              <a:rPr lang="en-US" dirty="0">
+                <a:ea typeface="Calibri"/>
+                <a:cs typeface="Calibri"/>
+              </a:rPr>
+              <a:t>This will help me keep the model up to date and efficient through out.</a:t>
+            </a:r>
+          </a:p>
         </p:txBody>
       </p:sp>
       <p:sp>
@@ -582,7 +1185,8 @@
           <a:lstStyle/>
           <a:p>
             <a:fld id="{F7613503-0FD6-4754-B7D3-284AA5DAB19B}" type="slidenum">
-              <a:t>2</a:t>
+              <a:rPr lang="en-US"/>
+              <a:t>7</a:t>
             </a:fld>
             <a:endParaRPr lang="en-US"/>
           </a:p>
@@ -591,7 +1195,128 @@
     </p:spTree>
     <p:extLst>
       <p:ext uri="{BB962C8B-B14F-4D97-AF65-F5344CB8AC3E}">
-        <p14:creationId xmlns:p14="http://schemas.microsoft.com/office/powerpoint/2010/main" val="148478421"/>
+        <p14:creationId xmlns:p14="http://schemas.microsoft.com/office/powerpoint/2010/main" val="4253974473"/>
+      </p:ext>
+    </p:extLst>
+  </p:cSld>
+  <p:clrMapOvr>
+    <a:masterClrMapping/>
+  </p:clrMapOvr>
+</p:notes>
+</file>
+
+<file path=ppt/notesSlides/notesSlide7.xml><?xml version="1.0" encoding="utf-8"?>
+<p:notes xmlns:a="http://schemas.openxmlformats.org/drawingml/2006/main" xmlns:r="http://schemas.openxmlformats.org/officeDocument/2006/relationships" xmlns:p="http://schemas.openxmlformats.org/presentationml/2006/main">
+  <p:cSld>
+    <p:spTree>
+      <p:nvGrpSpPr>
+        <p:cNvPr id="1" name=""/>
+        <p:cNvGrpSpPr/>
+        <p:nvPr/>
+      </p:nvGrpSpPr>
+      <p:grpSpPr>
+        <a:xfrm>
+          <a:off x="0" y="0"/>
+          <a:ext cx="0" cy="0"/>
+          <a:chOff x="0" y="0"/>
+          <a:chExt cx="0" cy="0"/>
+        </a:xfrm>
+      </p:grpSpPr>
+      <p:sp>
+        <p:nvSpPr>
+          <p:cNvPr id="2" name="Slide Image Placeholder 1"/>
+          <p:cNvSpPr>
+            <a:spLocks noGrp="1" noRot="1" noChangeAspect="1"/>
+          </p:cNvSpPr>
+          <p:nvPr>
+            <p:ph type="sldImg"/>
+          </p:nvPr>
+        </p:nvSpPr>
+        <p:spPr/>
+      </p:sp>
+      <p:sp>
+        <p:nvSpPr>
+          <p:cNvPr id="3" name="Notes Placeholder 2"/>
+          <p:cNvSpPr>
+            <a:spLocks noGrp="1"/>
+          </p:cNvSpPr>
+          <p:nvPr>
+            <p:ph type="body" idx="1"/>
+          </p:nvPr>
+        </p:nvSpPr>
+        <p:spPr/>
+        <p:txBody>
+          <a:bodyPr/>
+          <a:lstStyle/>
+          <a:p>
+            <a:r>
+              <a:rPr lang="en-US" dirty="0">
+                <a:ea typeface="Calibri"/>
+                <a:cs typeface="Calibri"/>
+              </a:rPr>
+              <a:t>This is the screenshot for the cleaned dataset.</a:t>
+            </a:r>
+          </a:p>
+          <a:p>
+            <a:r>
+              <a:rPr lang="en-US" dirty="0">
+                <a:ea typeface="Calibri"/>
+                <a:cs typeface="Calibri"/>
+              </a:rPr>
+              <a:t>There are 17 columns in the new cleaned dataset, with two new addition. </a:t>
+            </a:r>
+          </a:p>
+          <a:p>
+            <a:r>
+              <a:rPr lang="en-US" dirty="0">
+                <a:ea typeface="Calibri"/>
+                <a:cs typeface="Calibri"/>
+              </a:rPr>
+              <a:t>This cleaned dataset has no missing values </a:t>
+            </a:r>
+            <a:r>
+              <a:rPr lang="en-US">
+                <a:ea typeface="Calibri"/>
+                <a:cs typeface="Calibri"/>
+              </a:rPr>
+              <a:t>or duplicates.</a:t>
+            </a:r>
+          </a:p>
+          <a:p>
+            <a:endParaRPr lang="en-US" dirty="0">
+              <a:ea typeface="Calibri"/>
+              <a:cs typeface="Calibri"/>
+            </a:endParaRPr>
+          </a:p>
+        </p:txBody>
+      </p:sp>
+      <p:sp>
+        <p:nvSpPr>
+          <p:cNvPr id="4" name="Slide Number Placeholder 3"/>
+          <p:cNvSpPr>
+            <a:spLocks noGrp="1"/>
+          </p:cNvSpPr>
+          <p:nvPr>
+            <p:ph type="sldNum" sz="quarter" idx="5"/>
+          </p:nvPr>
+        </p:nvSpPr>
+        <p:spPr/>
+        <p:txBody>
+          <a:bodyPr/>
+          <a:lstStyle/>
+          <a:p>
+            <a:fld id="{F7613503-0FD6-4754-B7D3-284AA5DAB19B}" type="slidenum">
+              <a:rPr lang="en-US"/>
+              <a:t>8</a:t>
+            </a:fld>
+            <a:endParaRPr lang="en-US"/>
+          </a:p>
+        </p:txBody>
+      </p:sp>
+    </p:spTree>
+    <p:extLst>
+      <p:ext uri="{BB962C8B-B14F-4D97-AF65-F5344CB8AC3E}">
+        <p14:creationId xmlns:p14="http://schemas.microsoft.com/office/powerpoint/2010/main" val="3586334520"/>
       </p:ext>
     </p:extLst>
   </p:cSld>
@@ -767,7 +1492,7 @@
           <a:p>
             <a:fld id="{9E016143-E03C-4CFD-AFDC-14E5BDEA754C}" type="datetimeFigureOut">
               <a:rPr lang="en-US" dirty="0"/>
-              <a:t>2/2/2025</a:t>
+              <a:t>2/11/2025</a:t>
             </a:fld>
             <a:endParaRPr lang="en-US" dirty="0"/>
           </a:p>
@@ -994,7 +1719,7 @@
           <a:p>
             <a:fld id="{C033E54A-A8CA-48C1-9504-691B58049D29}" type="datetimeFigureOut">
               <a:rPr lang="en-US" dirty="0"/>
-              <a:t>2/2/2025</a:t>
+              <a:t>2/11/2025</a:t>
             </a:fld>
             <a:endParaRPr lang="en-US" dirty="0"/>
           </a:p>
@@ -1172,7 +1897,7 @@
           <a:p>
             <a:fld id="{B5F6C806-BBF7-471C-9527-881CE2266695}" type="datetimeFigureOut">
               <a:rPr lang="en-US" dirty="0"/>
-              <a:t>2/2/2025</a:t>
+              <a:t>2/11/2025</a:t>
             </a:fld>
             <a:endParaRPr lang="en-US" dirty="0"/>
           </a:p>
@@ -1340,7 +2065,7 @@
           <a:p>
             <a:fld id="{78C94063-DF36-4330-A365-08DA1FA5B7D6}" type="datetimeFigureOut">
               <a:rPr lang="en-US" dirty="0"/>
-              <a:t>2/2/2025</a:t>
+              <a:t>2/11/2025</a:t>
             </a:fld>
             <a:endParaRPr lang="en-US" dirty="0"/>
           </a:p>
@@ -1593,7 +2318,7 @@
           <a:p>
             <a:fld id="{908A7C6C-0F39-4D70-8E8D-FE5B9C95FA73}" type="datetimeFigureOut">
               <a:rPr lang="en-US" dirty="0"/>
-              <a:t>2/2/2025</a:t>
+              <a:t>2/11/2025</a:t>
             </a:fld>
             <a:endParaRPr lang="en-US" dirty="0"/>
           </a:p>
@@ -1916,7 +2641,7 @@
           <a:p>
             <a:fld id="{DFCFA4AC-08CC-42CE-BD01-C191750A04EC}" type="datetimeFigureOut">
               <a:rPr lang="en-US" dirty="0"/>
-              <a:t>2/2/2025</a:t>
+              <a:t>2/11/2025</a:t>
             </a:fld>
             <a:endParaRPr lang="en-US" dirty="0"/>
           </a:p>
@@ -2364,7 +3089,7 @@
           <a:p>
             <a:fld id="{1BA7A723-92A7-435B-B681-F25B092FEFEB}" type="datetimeFigureOut">
               <a:rPr lang="en-US" dirty="0"/>
-              <a:t>2/2/2025</a:t>
+              <a:t>2/11/2025</a:t>
             </a:fld>
             <a:endParaRPr lang="en-US" dirty="0"/>
           </a:p>
@@ -2481,7 +3206,7 @@
           <a:p>
             <a:fld id="{4F170639-886C-4FCF-9EAB-ABB5DA3F3F4A}" type="datetimeFigureOut">
               <a:rPr lang="en-US" dirty="0"/>
-              <a:t>2/2/2025</a:t>
+              <a:t>2/11/2025</a:t>
             </a:fld>
             <a:endParaRPr lang="en-US" dirty="0"/>
           </a:p>
@@ -2576,7 +3301,7 @@
           <a:p>
             <a:fld id="{22230651-31F4-45D2-98AE-A2108F41BC07}" type="datetimeFigureOut">
               <a:rPr lang="en-US" dirty="0"/>
-              <a:t>2/2/2025</a:t>
+              <a:t>2/11/2025</a:t>
             </a:fld>
             <a:endParaRPr lang="en-US" dirty="0"/>
           </a:p>
@@ -2861,7 +3586,7 @@
           <a:p>
             <a:fld id="{6F53789A-C914-4DB1-8815-80B5EC7335C5}" type="datetimeFigureOut">
               <a:rPr lang="en-US" dirty="0"/>
-              <a:t>2/2/2025</a:t>
+              <a:t>2/11/2025</a:t>
             </a:fld>
             <a:endParaRPr lang="en-US" dirty="0"/>
           </a:p>
@@ -3181,7 +3906,7 @@
           <a:p>
             <a:fld id="{5E6440AA-91A0-436F-8FDB-C0F939DCAE21}" type="datetimeFigureOut">
               <a:rPr lang="en-US" dirty="0"/>
-              <a:t>2/2/2025</a:t>
+              <a:t>2/11/2025</a:t>
             </a:fld>
             <a:endParaRPr lang="en-US" dirty="0"/>
           </a:p>
@@ -3433,7 +4158,7 @@
           <a:p>
             <a:fld id="{0E59FD0C-5451-4CA0-86AF-E70AE3279989}" type="datetimeFigureOut">
               <a:rPr lang="en-US" dirty="0"/>
-              <a:t>2/2/2025</a:t>
+              <a:t>2/11/2025</a:t>
             </a:fld>
             <a:endParaRPr lang="en-US" dirty="0"/>
           </a:p>
@@ -4144,6 +4869,7 @@
               <a:rPr lang="en-US" dirty="0"/>
               <a:t>I chose batch pipeline because</a:t>
             </a:r>
+            <a:endParaRPr lang="en-US"/>
           </a:p>
           <a:p>
             <a:pPr marL="0" indent="0">
@@ -4157,6 +4883,7 @@
               <a:rPr lang="en-US" dirty="0"/>
               <a:t>The dataset I have chosen (adult dataset) is a static dataset.</a:t>
             </a:r>
+            <a:endParaRPr lang="en-US"/>
           </a:p>
           <a:p>
             <a:pPr marL="285750" indent="-285750"/>
@@ -4164,6 +4891,7 @@
               <a:rPr lang="en-US" dirty="0"/>
               <a:t>Batch pipeline makes it easier to transform and clean data more efficiently.</a:t>
             </a:r>
+            <a:endParaRPr lang="en-US"/>
           </a:p>
           <a:p>
             <a:pPr marL="285750" indent="-285750"/>
@@ -4171,6 +4899,7 @@
               <a:rPr lang="en-US" dirty="0"/>
               <a:t>The dataset doesn't require real time processing and analysis.</a:t>
             </a:r>
+            <a:endParaRPr lang="en-US"/>
           </a:p>
           <a:p>
             <a:pPr marL="285750" indent="-285750"/>
@@ -4178,6 +4907,7 @@
               <a:rPr lang="en-US" dirty="0"/>
               <a:t>A machine learning model is usually trained with a full dataset rather than real-time data. </a:t>
             </a:r>
+            <a:endParaRPr lang="en-US"/>
           </a:p>
         </p:txBody>
       </p:sp>
@@ -5224,7 +5954,7 @@
           <p:nvPr/>
         </p:nvPicPr>
         <p:blipFill>
-          <a:blip r:embed="rId2"/>
+          <a:blip r:embed="rId3"/>
           <a:stretch>
             <a:fillRect/>
           </a:stretch>
